--- a/06.Networking/06-DNS.pptx
+++ b/06.Networking/06-DNS.pptx
@@ -307,7 +307,7 @@
           <a:p>
             <a:fld id="{3EA744D9-3FBE-48D8-BF2A-85DF203E4D20}" type="datetimeFigureOut">
               <a:rPr lang="bg-BG" smtClean="0"/>
-              <a:t>20.03.17 г.</a:t>
+              <a:t>10.04.17 г.</a:t>
             </a:fld>
             <a:endParaRPr lang="bg-BG"/>
           </a:p>
@@ -477,7 +477,7 @@
           <a:p>
             <a:fld id="{3EA744D9-3FBE-48D8-BF2A-85DF203E4D20}" type="datetimeFigureOut">
               <a:rPr lang="bg-BG" smtClean="0"/>
-              <a:t>20.03.17 г.</a:t>
+              <a:t>10.04.17 г.</a:t>
             </a:fld>
             <a:endParaRPr lang="bg-BG"/>
           </a:p>
@@ -657,7 +657,7 @@
           <a:p>
             <a:fld id="{3EA744D9-3FBE-48D8-BF2A-85DF203E4D20}" type="datetimeFigureOut">
               <a:rPr lang="bg-BG" smtClean="0"/>
-              <a:t>20.03.17 г.</a:t>
+              <a:t>10.04.17 г.</a:t>
             </a:fld>
             <a:endParaRPr lang="bg-BG"/>
           </a:p>
@@ -827,7 +827,7 @@
           <a:p>
             <a:fld id="{3EA744D9-3FBE-48D8-BF2A-85DF203E4D20}" type="datetimeFigureOut">
               <a:rPr lang="bg-BG" smtClean="0"/>
-              <a:t>20.03.17 г.</a:t>
+              <a:t>10.04.17 г.</a:t>
             </a:fld>
             <a:endParaRPr lang="bg-BG"/>
           </a:p>
@@ -1073,7 +1073,7 @@
           <a:p>
             <a:fld id="{3EA744D9-3FBE-48D8-BF2A-85DF203E4D20}" type="datetimeFigureOut">
               <a:rPr lang="bg-BG" smtClean="0"/>
-              <a:t>20.03.17 г.</a:t>
+              <a:t>10.04.17 г.</a:t>
             </a:fld>
             <a:endParaRPr lang="bg-BG"/>
           </a:p>
@@ -1361,7 +1361,7 @@
           <a:p>
             <a:fld id="{3EA744D9-3FBE-48D8-BF2A-85DF203E4D20}" type="datetimeFigureOut">
               <a:rPr lang="bg-BG" smtClean="0"/>
-              <a:t>20.03.17 г.</a:t>
+              <a:t>10.04.17 г.</a:t>
             </a:fld>
             <a:endParaRPr lang="bg-BG"/>
           </a:p>
@@ -1783,7 +1783,7 @@
           <a:p>
             <a:fld id="{3EA744D9-3FBE-48D8-BF2A-85DF203E4D20}" type="datetimeFigureOut">
               <a:rPr lang="bg-BG" smtClean="0"/>
-              <a:t>20.03.17 г.</a:t>
+              <a:t>10.04.17 г.</a:t>
             </a:fld>
             <a:endParaRPr lang="bg-BG"/>
           </a:p>
@@ -1901,7 +1901,7 @@
           <a:p>
             <a:fld id="{3EA744D9-3FBE-48D8-BF2A-85DF203E4D20}" type="datetimeFigureOut">
               <a:rPr lang="bg-BG" smtClean="0"/>
-              <a:t>20.03.17 г.</a:t>
+              <a:t>10.04.17 г.</a:t>
             </a:fld>
             <a:endParaRPr lang="bg-BG"/>
           </a:p>
@@ -1996,7 +1996,7 @@
           <a:p>
             <a:fld id="{3EA744D9-3FBE-48D8-BF2A-85DF203E4D20}" type="datetimeFigureOut">
               <a:rPr lang="bg-BG" smtClean="0"/>
-              <a:t>20.03.17 г.</a:t>
+              <a:t>10.04.17 г.</a:t>
             </a:fld>
             <a:endParaRPr lang="bg-BG"/>
           </a:p>
@@ -2273,7 +2273,7 @@
           <a:p>
             <a:fld id="{3EA744D9-3FBE-48D8-BF2A-85DF203E4D20}" type="datetimeFigureOut">
               <a:rPr lang="bg-BG" smtClean="0"/>
-              <a:t>20.03.17 г.</a:t>
+              <a:t>10.04.17 г.</a:t>
             </a:fld>
             <a:endParaRPr lang="bg-BG"/>
           </a:p>
@@ -2526,7 +2526,7 @@
           <a:p>
             <a:fld id="{3EA744D9-3FBE-48D8-BF2A-85DF203E4D20}" type="datetimeFigureOut">
               <a:rPr lang="bg-BG" smtClean="0"/>
-              <a:t>20.03.17 г.</a:t>
+              <a:t>10.04.17 г.</a:t>
             </a:fld>
             <a:endParaRPr lang="bg-BG"/>
           </a:p>
@@ -2748,7 +2748,7 @@
           <a:p>
             <a:fld id="{3EA744D9-3FBE-48D8-BF2A-85DF203E4D20}" type="datetimeFigureOut">
               <a:rPr lang="bg-BG" smtClean="0"/>
-              <a:t>20.03.17 г.</a:t>
+              <a:t>10.04.17 г.</a:t>
             </a:fld>
             <a:endParaRPr lang="bg-BG"/>
           </a:p>
@@ -3417,14 +3417,6 @@
               </a:rPr>
               <a:t>that servers as a directory of networked hosts and resources.</a:t>
             </a:r>
-            <a:r>
-              <a:rPr lang="en-US" sz="3100" dirty="0" smtClean="0">
-                <a:solidFill>
-                  <a:schemeClr val="accent6"/>
-                </a:solidFill>
-              </a:rPr>
-              <a:t/>
-            </a:r>
             <a:br>
               <a:rPr lang="en-US" sz="3100" dirty="0" smtClean="0">
                 <a:solidFill>
@@ -3738,19 +3730,6 @@
               </a:rPr>
               <a:t>DNS</a:t>
             </a:r>
-            <a:endParaRPr lang="en-US" sz="3600" dirty="0" smtClean="0">
-              <a:ln w="0"/>
-              <a:solidFill>
-                <a:schemeClr val="accent1"/>
-              </a:solidFill>
-              <a:effectLst>
-                <a:outerShdw blurRad="38100" dist="25400" dir="5400000" algn="ctr" rotWithShape="0">
-                  <a:srgbClr val="6E747A">
-                    <a:alpha val="43000"/>
-                  </a:srgbClr>
-                </a:outerShdw>
-              </a:effectLst>
-            </a:endParaRPr>
           </a:p>
           <a:p>
             <a:endParaRPr lang="en-US" sz="3600" dirty="0"/>
@@ -4719,8 +4698,8 @@
         </p:nvSpPr>
         <p:spPr>
           <a:xfrm>
-            <a:off x="1219200" y="3581400"/>
-            <a:ext cx="8313420" cy="2862322"/>
+            <a:off x="457200" y="3200400"/>
+            <a:ext cx="9075420" cy="2308324"/>
           </a:xfrm>
           <a:prstGeom prst="rect">
             <a:avLst/>

--- a/06.Networking/06-DNS.pptx
+++ b/06.Networking/06-DNS.pptx
@@ -3135,8 +3135,8 @@
         </p:nvSpPr>
         <p:spPr>
           <a:xfrm>
-            <a:off x="533400" y="1588532"/>
-            <a:ext cx="7772400" cy="1470025"/>
+            <a:off x="533400" y="762000"/>
+            <a:ext cx="7772400" cy="2296557"/>
           </a:xfrm>
         </p:spPr>
         <p:txBody>
@@ -3394,12 +3394,12 @@
               <a:t>DNS is a hierarchical </a:t>
             </a:r>
             <a:r>
-              <a:rPr lang="en-US" sz="3100" dirty="0" err="1" smtClean="0">
+              <a:rPr lang="en-US" sz="3100" dirty="0" smtClean="0">
                 <a:solidFill>
                   <a:srgbClr val="FFC000"/>
                 </a:solidFill>
               </a:rPr>
-              <a:t>naminng</a:t>
+              <a:t>naming </a:t>
             </a:r>
             <a:r>
               <a:rPr lang="en-US" sz="3100" dirty="0" smtClean="0">
@@ -3407,7 +3407,7 @@
                   <a:srgbClr val="FFC000"/>
                 </a:solidFill>
               </a:rPr>
-              <a:t> system </a:t>
+              <a:t>system </a:t>
             </a:r>
             <a:r>
               <a:rPr lang="en-US" sz="3100" dirty="0" smtClean="0">
@@ -3689,50 +3689,6 @@
                 <a:schemeClr val="accent6"/>
               </a:solidFill>
             </a:endParaRPr>
-          </a:p>
-        </p:txBody>
-      </p:sp>
-      <p:sp>
-        <p:nvSpPr>
-          <p:cNvPr id="5" name="TextBox 4"/>
-          <p:cNvSpPr txBox="1"/>
-          <p:nvPr/>
-        </p:nvSpPr>
-        <p:spPr>
-          <a:xfrm>
-            <a:off x="2819400" y="803701"/>
-            <a:ext cx="6705600" cy="1200329"/>
-          </a:xfrm>
-          <a:prstGeom prst="rect">
-            <a:avLst/>
-          </a:prstGeom>
-          <a:noFill/>
-        </p:spPr>
-        <p:txBody>
-          <a:bodyPr wrap="square" rtlCol="0">
-            <a:spAutoFit/>
-          </a:bodyPr>
-          <a:lstStyle/>
-          <a:p>
-            <a:r>
-              <a:rPr lang="en-US" sz="3600" dirty="0" smtClean="0">
-                <a:ln w="0"/>
-                <a:solidFill>
-                  <a:schemeClr val="accent1"/>
-                </a:solidFill>
-                <a:effectLst>
-                  <a:outerShdw blurRad="38100" dist="25400" dir="5400000" algn="ctr" rotWithShape="0">
-                    <a:srgbClr val="6E747A">
-                      <a:alpha val="43000"/>
-                    </a:srgbClr>
-                  </a:outerShdw>
-                </a:effectLst>
-              </a:rPr>
-              <a:t>DNS</a:t>
-            </a:r>
-          </a:p>
-          <a:p>
-            <a:endParaRPr lang="en-US" sz="3600" dirty="0"/>
           </a:p>
         </p:txBody>
       </p:sp>

--- a/06.Networking/06-DNS.pptx
+++ b/06.Networking/06-DNS.pptx
@@ -9,6 +9,7 @@
     <p:sldId id="271" r:id="rId3"/>
     <p:sldId id="266" r:id="rId4"/>
     <p:sldId id="258" r:id="rId5"/>
+    <p:sldId id="272" r:id="rId6"/>
   </p:sldIdLst>
   <p:sldSz cx="9144000" cy="6858000" type="screen4x3"/>
   <p:notesSz cx="6858000" cy="9144000"/>
@@ -3388,26 +3389,10 @@
             <a:r>
               <a:rPr lang="en-US" sz="3100" dirty="0" smtClean="0">
                 <a:solidFill>
-                  <a:srgbClr val="FFC000"/>
-                </a:solidFill>
-              </a:rPr>
-              <a:t>DNS is a hierarchical </a:t>
-            </a:r>
-            <a:r>
-              <a:rPr lang="en-US" sz="3100" dirty="0" smtClean="0">
-                <a:solidFill>
-                  <a:srgbClr val="FFC000"/>
-                </a:solidFill>
-              </a:rPr>
-              <a:t>naming </a:t>
-            </a:r>
-            <a:r>
-              <a:rPr lang="en-US" sz="3100" dirty="0" smtClean="0">
-                <a:solidFill>
-                  <a:srgbClr val="FFC000"/>
-                </a:solidFill>
-              </a:rPr>
-              <a:t>system </a:t>
+                  <a:schemeClr val="bg1"/>
+                </a:solidFill>
+              </a:rPr>
+              <a:t>DNS is a hierarchical naming system </a:t>
             </a:r>
             <a:r>
               <a:rPr lang="en-US" sz="3100" dirty="0" smtClean="0">
@@ -3442,7 +3427,7 @@
             <a:r>
               <a:rPr lang="en-US" sz="3100" dirty="0" smtClean="0">
                 <a:solidFill>
-                  <a:srgbClr val="FFC000"/>
+                  <a:schemeClr val="bg1"/>
                 </a:solidFill>
               </a:rPr>
               <a:t>Domain</a:t>
@@ -3458,7 +3443,7 @@
             <a:r>
               <a:rPr lang="en-US" sz="3100" dirty="0" smtClean="0">
                 <a:solidFill>
-                  <a:srgbClr val="FFC000"/>
+                  <a:schemeClr val="bg1"/>
                 </a:solidFill>
               </a:rPr>
               <a:t>resource records </a:t>
@@ -3474,7 +3459,7 @@
             <a:r>
               <a:rPr lang="en-US" sz="3100" dirty="0" err="1" smtClean="0">
                 <a:solidFill>
-                  <a:srgbClr val="FFC000"/>
+                  <a:schemeClr val="bg1"/>
                 </a:solidFill>
               </a:rPr>
               <a:t>example.com</a:t>
@@ -3512,28 +3497,84 @@
             <a:r>
               <a:rPr lang="en-US" sz="3100" dirty="0" smtClean="0">
                 <a:solidFill>
-                  <a:srgbClr val="FFC000"/>
-                </a:solidFill>
-              </a:rPr>
-              <a:t>A subdomain </a:t>
-            </a:r>
-            <a:r>
-              <a:rPr lang="en-US" sz="3100" dirty="0" smtClean="0">
-                <a:solidFill>
-                  <a:schemeClr val="accent6"/>
-                </a:solidFill>
-              </a:rPr>
-              <a:t>is a domain that is a subtree of another domain. This term is used when discussing the relationship of two domains to each other.</a:t>
-            </a:r>
-            <a:br>
-              <a:rPr lang="en-US" sz="3100" dirty="0" smtClean="0">
-                <a:solidFill>
-                  <a:schemeClr val="accent6"/>
-                </a:solidFill>
-              </a:rPr>
-            </a:br>
-            <a:r>
-              <a:rPr lang="en-US" sz="3100" dirty="0">
+                  <a:schemeClr val="bg1"/>
+                </a:solidFill>
+              </a:rPr>
+              <a:t>A </a:t>
+            </a:r>
+            <a:r>
+              <a:rPr lang="en-US" sz="3100" dirty="0" smtClean="0">
+                <a:solidFill>
+                  <a:schemeClr val="bg1"/>
+                </a:solidFill>
+              </a:rPr>
+              <a:t>subdomain </a:t>
+            </a:r>
+            <a:r>
+              <a:rPr lang="en-US" sz="3100" dirty="0" smtClean="0">
+                <a:solidFill>
+                  <a:schemeClr val="accent6"/>
+                </a:solidFill>
+              </a:rPr>
+              <a:t>is a domain that is a subtree of another </a:t>
+            </a:r>
+            <a:r>
+              <a:rPr lang="en-US" sz="3100" dirty="0" smtClean="0">
+                <a:solidFill>
+                  <a:schemeClr val="accent6"/>
+                </a:solidFill>
+              </a:rPr>
+              <a:t>domain, such as </a:t>
+            </a:r>
+            <a:r>
+              <a:rPr lang="en-US" sz="3100" dirty="0" err="1" smtClean="0">
+                <a:solidFill>
+                  <a:schemeClr val="bg1"/>
+                </a:solidFill>
+              </a:rPr>
+              <a:t>lab.example.com</a:t>
+            </a:r>
+            <a:r>
+              <a:rPr lang="en-US" sz="3100" dirty="0" smtClean="0">
+                <a:solidFill>
+                  <a:schemeClr val="accent6"/>
+                </a:solidFill>
+              </a:rPr>
+              <a:t>. </a:t>
+            </a:r>
+            <a:r>
+              <a:rPr lang="en-US" sz="3100" dirty="0" smtClean="0">
+                <a:solidFill>
+                  <a:schemeClr val="accent6"/>
+                </a:solidFill>
+              </a:rPr>
+              <a:t>This </a:t>
+            </a:r>
+            <a:r>
+              <a:rPr lang="en-US" sz="3100" dirty="0" smtClean="0">
+                <a:solidFill>
+                  <a:schemeClr val="accent6"/>
+                </a:solidFill>
+              </a:rPr>
+              <a:t>term is used when discussing the relationship of two domains to each other</a:t>
+            </a:r>
+            <a:r>
+              <a:rPr lang="en-US" sz="3100" dirty="0" smtClean="0">
+                <a:solidFill>
+                  <a:schemeClr val="accent6"/>
+                </a:solidFill>
+              </a:rPr>
+              <a:t>.</a:t>
+            </a:r>
+            <a:br>
+              <a:rPr lang="en-US" sz="3100" dirty="0" smtClean="0">
+                <a:solidFill>
+                  <a:schemeClr val="accent6"/>
+                </a:solidFill>
+              </a:rPr>
+            </a:br>
+            <a:r>
+              <a:rPr lang="en-US" sz="3100" dirty="0" smtClean="0">
                 <a:solidFill>
                   <a:schemeClr val="accent6"/>
                 </a:solidFill>
@@ -3541,19 +3582,27 @@
               <a:t/>
             </a:r>
             <a:br>
-              <a:rPr lang="en-US" sz="3100" dirty="0">
-                <a:solidFill>
-                  <a:schemeClr val="accent6"/>
-                </a:solidFill>
-              </a:rPr>
-            </a:br>
-            <a:r>
-              <a:rPr lang="en-US" sz="3100" dirty="0" smtClean="0">
-                <a:solidFill>
-                  <a:srgbClr val="FFC000"/>
-                </a:solidFill>
-              </a:rPr>
-              <a:t>A zone </a:t>
+              <a:rPr lang="en-US" sz="3100" dirty="0" smtClean="0">
+                <a:solidFill>
+                  <a:schemeClr val="accent6"/>
+                </a:solidFill>
+              </a:rPr>
+            </a:br>
+            <a:r>
+              <a:rPr lang="en-US" sz="3100" dirty="0" smtClean="0">
+                <a:solidFill>
+                  <a:schemeClr val="bg1"/>
+                </a:solidFill>
+              </a:rPr>
+              <a:t>A </a:t>
+            </a:r>
+            <a:r>
+              <a:rPr lang="en-US" sz="3100" dirty="0" smtClean="0">
+                <a:solidFill>
+                  <a:schemeClr val="bg1"/>
+                </a:solidFill>
+              </a:rPr>
+              <a:t>zone </a:t>
             </a:r>
             <a:r>
               <a:rPr lang="en-US" sz="3100" dirty="0" smtClean="0">
@@ -3564,20 +3613,20 @@
               <a:t>is the portion of the domain for which a particular </a:t>
             </a:r>
             <a:r>
-              <a:rPr lang="en-US" sz="3100" dirty="0" err="1" smtClean="0">
-                <a:solidFill>
-                  <a:schemeClr val="accent6"/>
-                </a:solidFill>
-              </a:rPr>
-              <a:t>nameserver</a:t>
-            </a:r>
-            <a:r>
-              <a:rPr lang="en-US" sz="3100" dirty="0" smtClean="0">
-                <a:solidFill>
-                  <a:schemeClr val="accent6"/>
-                </a:solidFill>
-              </a:rPr>
-              <a:t> is directly responsible or authoritative.</a:t>
+              <a:rPr lang="en-US" sz="3100" dirty="0" smtClean="0">
+                <a:solidFill>
+                  <a:schemeClr val="accent6"/>
+                </a:solidFill>
+              </a:rPr>
+              <a:t>name server </a:t>
+            </a:r>
+            <a:r>
+              <a:rPr lang="en-US" sz="3100" dirty="0" smtClean="0">
+                <a:solidFill>
+                  <a:schemeClr val="accent6"/>
+                </a:solidFill>
+              </a:rPr>
+              <a:t>is directly responsible or authoritative.</a:t>
             </a:r>
             <a:r>
               <a:rPr lang="en-US" sz="3100" dirty="0">
@@ -3814,14 +3863,60 @@
         </p:blipFill>
         <p:spPr>
           <a:xfrm>
-            <a:off x="990600" y="963543"/>
-            <a:ext cx="6629400" cy="4614583"/>
+            <a:off x="1714500" y="2438400"/>
+            <a:ext cx="5486400" cy="3818965"/>
           </a:xfrm>
           <a:prstGeom prst="rect">
             <a:avLst/>
           </a:prstGeom>
         </p:spPr>
       </p:pic>
+      <p:sp>
+        <p:nvSpPr>
+          <p:cNvPr id="2" name="TextBox 1"/>
+          <p:cNvSpPr txBox="1"/>
+          <p:nvPr/>
+        </p:nvSpPr>
+        <p:spPr>
+          <a:xfrm>
+            <a:off x="914400" y="963544"/>
+            <a:ext cx="6096000" cy="646331"/>
+          </a:xfrm>
+          <a:prstGeom prst="rect">
+            <a:avLst/>
+          </a:prstGeom>
+          <a:noFill/>
+        </p:spPr>
+        <p:txBody>
+          <a:bodyPr wrap="square" rtlCol="0">
+            <a:spAutoFit/>
+          </a:bodyPr>
+          <a:lstStyle/>
+          <a:p>
+            <a:r>
+              <a:rPr lang="en-US" dirty="0" err="1" smtClean="0"/>
+              <a:t>E</a:t>
+            </a:r>
+            <a:r>
+              <a:rPr lang="en-US" dirty="0" err="1" smtClean="0">
+                <a:solidFill>
+                  <a:schemeClr val="accent6"/>
+                </a:solidFill>
+              </a:rPr>
+              <a:t>Each</a:t>
+            </a:r>
+            <a:r>
+              <a:rPr lang="en-US" dirty="0" smtClean="0">
+                <a:solidFill>
+                  <a:schemeClr val="accent6"/>
+                </a:solidFill>
+              </a:rPr>
+              <a:t> level of the DNS hierarchy is delineated by the “.”, with “.” as the top level.  </a:t>
+            </a:r>
+            <a:endParaRPr lang="en-US" dirty="0"/>
+          </a:p>
+        </p:txBody>
+      </p:sp>
     </p:spTree>
     <p:extLst>
       <p:ext uri="{BB962C8B-B14F-4D97-AF65-F5344CB8AC3E}">
@@ -4597,8 +4692,8 @@
         </p:nvSpPr>
         <p:spPr>
           <a:xfrm>
-            <a:off x="678180" y="685800"/>
-            <a:ext cx="8084820" cy="1754326"/>
+            <a:off x="457200" y="685800"/>
+            <a:ext cx="8305800" cy="2308324"/>
           </a:xfrm>
           <a:prstGeom prst="rect">
             <a:avLst/>
@@ -4627,8 +4722,23 @@
                   <a:schemeClr val="accent6"/>
                 </a:solidFill>
               </a:rPr>
-              <a:t>DNS RR are entries in a DNS zone file that specify information about a particular name or object in the zone. A resource record contains a type, a TTL, a class and data elements</a:t>
-            </a:r>
+              <a:t>DNS RR are entries in a DNS zone file that specify information about a particular name or object in the zone. A resource record contains a type, a TTL, a class and data </a:t>
+            </a:r>
+            <a:r>
+              <a:rPr lang="en-US" dirty="0" smtClean="0">
+                <a:solidFill>
+                  <a:schemeClr val="accent6"/>
+                </a:solidFill>
+              </a:rPr>
+              <a:t>elements</a:t>
+            </a:r>
+          </a:p>
+          <a:p>
+            <a:endParaRPr lang="en-US" dirty="0">
+              <a:solidFill>
+                <a:schemeClr val="accent6"/>
+              </a:solidFill>
+            </a:endParaRPr>
           </a:p>
           <a:p>
             <a:endParaRPr lang="en-US" dirty="0" smtClean="0">
@@ -4644,6 +4754,13 @@
               </a:solidFill>
             </a:endParaRPr>
           </a:p>
+          <a:p>
+            <a:endParaRPr lang="en-US" dirty="0" smtClean="0">
+              <a:solidFill>
+                <a:schemeClr val="accent6"/>
+              </a:solidFill>
+            </a:endParaRPr>
+          </a:p>
         </p:txBody>
       </p:sp>
       <p:sp>
@@ -4654,8 +4771,8 @@
         </p:nvSpPr>
         <p:spPr>
           <a:xfrm>
-            <a:off x="457200" y="3200400"/>
-            <a:ext cx="9075420" cy="2308324"/>
+            <a:off x="0" y="3200400"/>
+            <a:ext cx="9144000" cy="369332"/>
           </a:xfrm>
           <a:prstGeom prst="rect">
             <a:avLst/>
@@ -4674,109 +4791,76 @@
                   <a:schemeClr val="accent6"/>
                 </a:solidFill>
               </a:rPr>
-              <a:t>The network addresses can be static or dynamic(DHCP). Usually the DHCP also </a:t>
-            </a:r>
-            <a:r>
-              <a:rPr lang="en-US" dirty="0" err="1" smtClean="0">
-                <a:solidFill>
-                  <a:schemeClr val="accent6"/>
-                </a:solidFill>
-              </a:rPr>
-              <a:t>assignes</a:t>
-            </a:r>
-            <a:r>
-              <a:rPr lang="en-US" dirty="0" smtClean="0">
-                <a:solidFill>
-                  <a:schemeClr val="accent6"/>
-                </a:solidFill>
-              </a:rPr>
-              <a:t> the DNS servers to be used. In CentOS 7 the interface(network card) names have new labels:</a:t>
-            </a:r>
-          </a:p>
-          <a:p>
+              <a:t>.</a:t>
+            </a:r>
             <a:endParaRPr lang="en-US" dirty="0" smtClean="0">
               <a:solidFill>
                 <a:schemeClr val="accent6"/>
               </a:solidFill>
             </a:endParaRPr>
           </a:p>
-          <a:p>
-            <a:r>
-              <a:rPr lang="en-US" dirty="0" smtClean="0">
-                <a:solidFill>
-                  <a:schemeClr val="accent6"/>
-                </a:solidFill>
-              </a:rPr>
-              <a:t>Ethernet interfaces begin with ‘</a:t>
-            </a:r>
-            <a:r>
-              <a:rPr lang="en-US" dirty="0" err="1" smtClean="0">
-                <a:solidFill>
-                  <a:schemeClr val="accent6"/>
-                </a:solidFill>
-              </a:rPr>
-              <a:t>en</a:t>
-            </a:r>
-            <a:r>
-              <a:rPr lang="en-US" dirty="0" smtClean="0">
-                <a:solidFill>
-                  <a:schemeClr val="accent6"/>
-                </a:solidFill>
-              </a:rPr>
-              <a:t>’. WLAN interfaces being with ‘</a:t>
-            </a:r>
-            <a:r>
-              <a:rPr lang="en-US" dirty="0" err="1" smtClean="0">
-                <a:solidFill>
-                  <a:schemeClr val="accent6"/>
-                </a:solidFill>
-              </a:rPr>
-              <a:t>wl</a:t>
-            </a:r>
-            <a:r>
-              <a:rPr lang="en-US" dirty="0" smtClean="0">
-                <a:solidFill>
-                  <a:schemeClr val="accent6"/>
-                </a:solidFill>
-              </a:rPr>
-              <a:t>’. The next part represents the type of the adapter. An ‘o’ is used for onboard (built in), ‘s’ is for hot plug spot, ‘p’ is for PCI location (externally attached). It ends with a number representing index, ID or port.</a:t>
-            </a:r>
-          </a:p>
-          <a:p>
-            <a:endParaRPr lang="en-US" dirty="0">
-              <a:solidFill>
-                <a:schemeClr val="accent6"/>
-              </a:solidFill>
-            </a:endParaRPr>
-          </a:p>
-          <a:p>
-            <a:r>
-              <a:rPr lang="en-US" dirty="0" smtClean="0">
-                <a:solidFill>
-                  <a:schemeClr val="accent6"/>
-                </a:solidFill>
-              </a:rPr>
-              <a:t>Example =&gt; </a:t>
-            </a:r>
-            <a:r>
-              <a:rPr lang="en-US" dirty="0" smtClean="0">
-                <a:solidFill>
-                  <a:schemeClr val="bg1"/>
-                </a:solidFill>
-              </a:rPr>
-              <a:t>eno16777734</a:t>
-            </a:r>
-            <a:r>
-              <a:rPr lang="en-US" dirty="0" smtClean="0">
-                <a:solidFill>
-                  <a:schemeClr val="accent6"/>
-                </a:solidFill>
-              </a:rPr>
-              <a:t> on boarded Ethernet interface with unique index number.</a:t>
-            </a:r>
-          </a:p>
-        </p:txBody>
-      </p:sp>
+        </p:txBody>
+      </p:sp>
+      <p:pic>
+        <p:nvPicPr>
+          <p:cNvPr id="4" name="Picture 3"/>
+          <p:cNvPicPr>
+            <a:picLocks noChangeAspect="1"/>
+          </p:cNvPicPr>
+          <p:nvPr/>
+        </p:nvPicPr>
+        <p:blipFill>
+          <a:blip r:embed="rId2">
+            <a:extLst>
+              <a:ext uri="{28A0092B-C50C-407E-A947-70E740481C1C}">
+                <a14:useLocalDpi xmlns:a14="http://schemas.microsoft.com/office/drawing/2010/main" val="0"/>
+              </a:ext>
+            </a:extLst>
+          </a:blip>
+          <a:stretch>
+            <a:fillRect/>
+          </a:stretch>
+        </p:blipFill>
+        <p:spPr>
+          <a:xfrm>
+            <a:off x="533400" y="2000383"/>
+            <a:ext cx="7467600" cy="2874695"/>
+          </a:xfrm>
+          <a:prstGeom prst="rect">
+            <a:avLst/>
+          </a:prstGeom>
+        </p:spPr>
+      </p:pic>
+      <p:pic>
+        <p:nvPicPr>
+          <p:cNvPr id="6" name="Picture 5"/>
+          <p:cNvPicPr>
+            <a:picLocks noChangeAspect="1"/>
+          </p:cNvPicPr>
+          <p:nvPr/>
+        </p:nvPicPr>
+        <p:blipFill>
+          <a:blip r:embed="rId3">
+            <a:extLst>
+              <a:ext uri="{28A0092B-C50C-407E-A947-70E740481C1C}">
+                <a14:useLocalDpi xmlns:a14="http://schemas.microsoft.com/office/drawing/2010/main" val="0"/>
+              </a:ext>
+            </a:extLst>
+          </a:blip>
+          <a:stretch>
+            <a:fillRect/>
+          </a:stretch>
+        </p:blipFill>
+        <p:spPr>
+          <a:xfrm>
+            <a:off x="533400" y="4856837"/>
+            <a:ext cx="7467600" cy="1366989"/>
+          </a:xfrm>
+          <a:prstGeom prst="rect">
+            <a:avLst/>
+          </a:prstGeom>
+        </p:spPr>
+      </p:pic>
     </p:spTree>
     <p:extLst>
       <p:ext uri="{BB962C8B-B14F-4D97-AF65-F5344CB8AC3E}">
@@ -4794,6 +4878,330 @@
       </p:par>
     </p:tnLst>
   </p:timing>
+</p:sld>
+</file>
+
+<file path=ppt/slides/slide5.xml><?xml version="1.0" encoding="utf-8"?>
+<p:sld xmlns:a="http://schemas.openxmlformats.org/drawingml/2006/main" xmlns:r="http://schemas.openxmlformats.org/officeDocument/2006/relationships" xmlns:p="http://schemas.openxmlformats.org/presentationml/2006/main">
+  <p:cSld>
+    <p:spTree>
+      <p:nvGrpSpPr>
+        <p:cNvPr id="1" name=""/>
+        <p:cNvGrpSpPr/>
+        <p:nvPr/>
+      </p:nvGrpSpPr>
+      <p:grpSpPr>
+        <a:xfrm>
+          <a:off x="0" y="0"/>
+          <a:ext cx="0" cy="0"/>
+          <a:chOff x="0" y="0"/>
+          <a:chExt cx="0" cy="0"/>
+        </a:xfrm>
+      </p:grpSpPr>
+      <p:sp>
+        <p:nvSpPr>
+          <p:cNvPr id="2" name="Title 1"/>
+          <p:cNvSpPr>
+            <a:spLocks noGrp="1"/>
+          </p:cNvSpPr>
+          <p:nvPr>
+            <p:ph type="title"/>
+          </p:nvPr>
+        </p:nvSpPr>
+        <p:spPr/>
+        <p:txBody>
+          <a:bodyPr/>
+          <a:lstStyle/>
+          <a:p>
+            <a:r>
+              <a:rPr lang="en-US" dirty="0" smtClean="0">
+                <a:solidFill>
+                  <a:schemeClr val="accent6"/>
+                </a:solidFill>
+              </a:rPr>
+              <a:t>Resource record types:</a:t>
+            </a:r>
+            <a:endParaRPr lang="en-US" dirty="0">
+              <a:solidFill>
+                <a:schemeClr val="accent6"/>
+              </a:solidFill>
+            </a:endParaRPr>
+          </a:p>
+        </p:txBody>
+      </p:sp>
+      <p:graphicFrame>
+        <p:nvGraphicFramePr>
+          <p:cNvPr id="4" name="Content Placeholder 3"/>
+          <p:cNvGraphicFramePr>
+            <a:graphicFrameLocks noGrp="1"/>
+          </p:cNvGraphicFramePr>
+          <p:nvPr>
+            <p:ph idx="1"/>
+            <p:extLst>
+              <p:ext uri="{D42A27DB-BD31-4B8C-83A1-F6EECF244321}">
+                <p14:modId xmlns:p14="http://schemas.microsoft.com/office/powerpoint/2010/main" val="1332832454"/>
+              </p:ext>
+            </p:extLst>
+          </p:nvPr>
+        </p:nvGraphicFramePr>
+        <p:xfrm>
+          <a:off x="457200" y="1600200"/>
+          <a:ext cx="8229600" cy="4231640"/>
+        </p:xfrm>
+        <a:graphic>
+          <a:graphicData uri="http://schemas.openxmlformats.org/drawingml/2006/table">
+            <a:tbl>
+              <a:tblPr firstRow="1" bandRow="1">
+                <a:tableStyleId>{5C22544A-7EE6-4342-B048-85BDC9FD1C3A}</a:tableStyleId>
+              </a:tblPr>
+              <a:tblGrid>
+                <a:gridCol w="4114800"/>
+                <a:gridCol w="4114800"/>
+              </a:tblGrid>
+              <a:tr h="381000">
+                <a:tc>
+                  <a:txBody>
+                    <a:bodyPr/>
+                    <a:lstStyle/>
+                    <a:p>
+                      <a:r>
+                        <a:rPr lang="en-US" dirty="0" err="1" smtClean="0"/>
+                        <a:t>AbbreviationS</a:t>
+                      </a:r>
+                      <a:endParaRPr lang="en-US" dirty="0"/>
+                    </a:p>
+                  </a:txBody>
+                  <a:tcPr/>
+                </a:tc>
+                <a:tc>
+                  <a:txBody>
+                    <a:bodyPr/>
+                    <a:lstStyle/>
+                    <a:p>
+                      <a:r>
+                        <a:rPr lang="en-US" dirty="0" smtClean="0"/>
+                        <a:t>Meaning</a:t>
+                      </a:r>
+                      <a:endParaRPr lang="en-US" dirty="0"/>
+                    </a:p>
+                  </a:txBody>
+                  <a:tcPr/>
+                </a:tc>
+              </a:tr>
+              <a:tr h="370840">
+                <a:tc>
+                  <a:txBody>
+                    <a:bodyPr/>
+                    <a:lstStyle/>
+                    <a:p>
+                      <a:r>
+                        <a:rPr lang="en-US" dirty="0" err="1" smtClean="0"/>
+                        <a:t>cname</a:t>
+                      </a:r>
+                      <a:r>
+                        <a:rPr lang="en-US" dirty="0" smtClean="0"/>
+                        <a:t>(canonical name)</a:t>
+                      </a:r>
+                      <a:endParaRPr lang="en-US" dirty="0"/>
+                    </a:p>
+                  </a:txBody>
+                  <a:tcPr/>
+                </a:tc>
+                <a:tc>
+                  <a:txBody>
+                    <a:bodyPr/>
+                    <a:lstStyle/>
+                    <a:p>
+                      <a:r>
+                        <a:rPr lang="en-US" dirty="0" smtClean="0"/>
+                        <a:t>Aliases one name to another.</a:t>
+                      </a:r>
+                      <a:endParaRPr lang="en-US" dirty="0"/>
+                    </a:p>
+                  </a:txBody>
+                  <a:tcPr/>
+                </a:tc>
+              </a:tr>
+              <a:tr h="370840">
+                <a:tc>
+                  <a:txBody>
+                    <a:bodyPr/>
+                    <a:lstStyle/>
+                    <a:p>
+                      <a:r>
+                        <a:rPr lang="en-US" dirty="0" err="1" smtClean="0"/>
+                        <a:t>ptr</a:t>
+                      </a:r>
+                      <a:r>
+                        <a:rPr lang="en-US" dirty="0" smtClean="0"/>
+                        <a:t>(pointer)</a:t>
+                      </a:r>
+                      <a:endParaRPr lang="en-US" dirty="0"/>
+                    </a:p>
+                  </a:txBody>
+                  <a:tcPr/>
+                </a:tc>
+                <a:tc>
+                  <a:txBody>
+                    <a:bodyPr/>
+                    <a:lstStyle/>
+                    <a:p>
+                      <a:r>
+                        <a:rPr lang="en-US" dirty="0" smtClean="0"/>
+                        <a:t>Maps</a:t>
+                      </a:r>
+                      <a:r>
+                        <a:rPr lang="en-US" baseline="0" dirty="0" smtClean="0"/>
+                        <a:t> ipv4/ipv6 address to a host name</a:t>
+                      </a:r>
+                      <a:endParaRPr lang="en-US" dirty="0"/>
+                    </a:p>
+                  </a:txBody>
+                  <a:tcPr/>
+                </a:tc>
+              </a:tr>
+              <a:tr h="370840">
+                <a:tc>
+                  <a:txBody>
+                    <a:bodyPr/>
+                    <a:lstStyle/>
+                    <a:p>
+                      <a:r>
+                        <a:rPr lang="en-US" dirty="0" smtClean="0"/>
+                        <a:t>ns(name server) </a:t>
+                      </a:r>
+                      <a:endParaRPr lang="en-US" dirty="0"/>
+                    </a:p>
+                  </a:txBody>
+                  <a:tcPr/>
+                </a:tc>
+                <a:tc>
+                  <a:txBody>
+                    <a:bodyPr/>
+                    <a:lstStyle/>
+                    <a:p>
+                      <a:r>
+                        <a:rPr lang="en-US" dirty="0" smtClean="0"/>
+                        <a:t>Maps a domain name to a DNS</a:t>
+                      </a:r>
+                      <a:r>
+                        <a:rPr lang="en-US" baseline="0" dirty="0" smtClean="0"/>
+                        <a:t> name server which is authoritative for its DNS zone.</a:t>
+                      </a:r>
+                    </a:p>
+                  </a:txBody>
+                  <a:tcPr/>
+                </a:tc>
+              </a:tr>
+              <a:tr h="370840">
+                <a:tc>
+                  <a:txBody>
+                    <a:bodyPr/>
+                    <a:lstStyle/>
+                    <a:p>
+                      <a:r>
+                        <a:rPr lang="en-US" dirty="0" smtClean="0"/>
+                        <a:t>SOA(start of authority)</a:t>
+                      </a:r>
+                      <a:endParaRPr lang="en-US" dirty="0"/>
+                    </a:p>
+                  </a:txBody>
+                  <a:tcPr/>
+                </a:tc>
+                <a:tc>
+                  <a:txBody>
+                    <a:bodyPr/>
+                    <a:lstStyle/>
+                    <a:p>
+                      <a:r>
+                        <a:rPr lang="en-US" baseline="0" dirty="0" smtClean="0"/>
+                        <a:t>Provides information how a DNS zone works.</a:t>
+                      </a:r>
+                    </a:p>
+                  </a:txBody>
+                  <a:tcPr/>
+                </a:tc>
+              </a:tr>
+              <a:tr h="370840">
+                <a:tc>
+                  <a:txBody>
+                    <a:bodyPr/>
+                    <a:lstStyle/>
+                    <a:p>
+                      <a:r>
+                        <a:rPr lang="en-US" dirty="0" smtClean="0"/>
+                        <a:t>MX(mail exchange)</a:t>
+                      </a:r>
+                      <a:endParaRPr lang="en-US" dirty="0"/>
+                    </a:p>
+                  </a:txBody>
+                  <a:tcPr/>
+                </a:tc>
+                <a:tc>
+                  <a:txBody>
+                    <a:bodyPr/>
+                    <a:lstStyle/>
+                    <a:p>
+                      <a:r>
+                        <a:rPr lang="en-US" baseline="0" dirty="0" smtClean="0"/>
+                        <a:t>Maps a domain name to a mail exchange which will accept email for that name.</a:t>
+                      </a:r>
+                    </a:p>
+                    <a:p>
+                      <a:endParaRPr lang="en-US" baseline="0" dirty="0" smtClean="0"/>
+                    </a:p>
+                  </a:txBody>
+                  <a:tcPr/>
+                </a:tc>
+              </a:tr>
+              <a:tr h="370840">
+                <a:tc>
+                  <a:txBody>
+                    <a:bodyPr/>
+                    <a:lstStyle/>
+                    <a:p>
+                      <a:r>
+                        <a:rPr lang="en-US" dirty="0" smtClean="0"/>
+                        <a:t>SRV(service)</a:t>
+                      </a:r>
+                      <a:endParaRPr lang="en-US" dirty="0"/>
+                    </a:p>
+                  </a:txBody>
+                  <a:tcPr/>
+                </a:tc>
+                <a:tc>
+                  <a:txBody>
+                    <a:bodyPr/>
+                    <a:lstStyle/>
+                    <a:p>
+                      <a:r>
+                        <a:rPr lang="en-US" baseline="0" dirty="0" smtClean="0"/>
+                        <a:t>Locate the hosts which support a </a:t>
+                      </a:r>
+                      <a:r>
+                        <a:rPr lang="en-US" baseline="0" smtClean="0"/>
+                        <a:t>particular service for a domain.</a:t>
+                      </a:r>
+                      <a:endParaRPr lang="en-US" baseline="0" dirty="0" smtClean="0"/>
+                    </a:p>
+                  </a:txBody>
+                  <a:tcPr/>
+                </a:tc>
+              </a:tr>
+            </a:tbl>
+          </a:graphicData>
+        </a:graphic>
+      </p:graphicFrame>
+    </p:spTree>
+    <p:extLst>
+      <p:ext uri="{BB962C8B-B14F-4D97-AF65-F5344CB8AC3E}">
+        <p14:creationId xmlns:p14="http://schemas.microsoft.com/office/powerpoint/2010/main" val="123798614"/>
+      </p:ext>
+    </p:extLst>
+  </p:cSld>
+  <p:clrMapOvr>
+    <a:masterClrMapping/>
+  </p:clrMapOvr>
 </p:sld>
 </file>
 

--- a/06.Networking/06-DNS.pptx
+++ b/06.Networking/06-DNS.pptx
@@ -308,7 +308,7 @@
           <a:p>
             <a:fld id="{3EA744D9-3FBE-48D8-BF2A-85DF203E4D20}" type="datetimeFigureOut">
               <a:rPr lang="bg-BG" smtClean="0"/>
-              <a:t>10.04.17 г.</a:t>
+              <a:t>19.04.17 г.</a:t>
             </a:fld>
             <a:endParaRPr lang="bg-BG"/>
           </a:p>
@@ -478,7 +478,7 @@
           <a:p>
             <a:fld id="{3EA744D9-3FBE-48D8-BF2A-85DF203E4D20}" type="datetimeFigureOut">
               <a:rPr lang="bg-BG" smtClean="0"/>
-              <a:t>10.04.17 г.</a:t>
+              <a:t>19.04.17 г.</a:t>
             </a:fld>
             <a:endParaRPr lang="bg-BG"/>
           </a:p>
@@ -658,7 +658,7 @@
           <a:p>
             <a:fld id="{3EA744D9-3FBE-48D8-BF2A-85DF203E4D20}" type="datetimeFigureOut">
               <a:rPr lang="bg-BG" smtClean="0"/>
-              <a:t>10.04.17 г.</a:t>
+              <a:t>19.04.17 г.</a:t>
             </a:fld>
             <a:endParaRPr lang="bg-BG"/>
           </a:p>
@@ -828,7 +828,7 @@
           <a:p>
             <a:fld id="{3EA744D9-3FBE-48D8-BF2A-85DF203E4D20}" type="datetimeFigureOut">
               <a:rPr lang="bg-BG" smtClean="0"/>
-              <a:t>10.04.17 г.</a:t>
+              <a:t>19.04.17 г.</a:t>
             </a:fld>
             <a:endParaRPr lang="bg-BG"/>
           </a:p>
@@ -1074,7 +1074,7 @@
           <a:p>
             <a:fld id="{3EA744D9-3FBE-48D8-BF2A-85DF203E4D20}" type="datetimeFigureOut">
               <a:rPr lang="bg-BG" smtClean="0"/>
-              <a:t>10.04.17 г.</a:t>
+              <a:t>19.04.17 г.</a:t>
             </a:fld>
             <a:endParaRPr lang="bg-BG"/>
           </a:p>
@@ -1362,7 +1362,7 @@
           <a:p>
             <a:fld id="{3EA744D9-3FBE-48D8-BF2A-85DF203E4D20}" type="datetimeFigureOut">
               <a:rPr lang="bg-BG" smtClean="0"/>
-              <a:t>10.04.17 г.</a:t>
+              <a:t>19.04.17 г.</a:t>
             </a:fld>
             <a:endParaRPr lang="bg-BG"/>
           </a:p>
@@ -1784,7 +1784,7 @@
           <a:p>
             <a:fld id="{3EA744D9-3FBE-48D8-BF2A-85DF203E4D20}" type="datetimeFigureOut">
               <a:rPr lang="bg-BG" smtClean="0"/>
-              <a:t>10.04.17 г.</a:t>
+              <a:t>19.04.17 г.</a:t>
             </a:fld>
             <a:endParaRPr lang="bg-BG"/>
           </a:p>
@@ -1902,7 +1902,7 @@
           <a:p>
             <a:fld id="{3EA744D9-3FBE-48D8-BF2A-85DF203E4D20}" type="datetimeFigureOut">
               <a:rPr lang="bg-BG" smtClean="0"/>
-              <a:t>10.04.17 г.</a:t>
+              <a:t>19.04.17 г.</a:t>
             </a:fld>
             <a:endParaRPr lang="bg-BG"/>
           </a:p>
@@ -1997,7 +1997,7 @@
           <a:p>
             <a:fld id="{3EA744D9-3FBE-48D8-BF2A-85DF203E4D20}" type="datetimeFigureOut">
               <a:rPr lang="bg-BG" smtClean="0"/>
-              <a:t>10.04.17 г.</a:t>
+              <a:t>19.04.17 г.</a:t>
             </a:fld>
             <a:endParaRPr lang="bg-BG"/>
           </a:p>
@@ -2274,7 +2274,7 @@
           <a:p>
             <a:fld id="{3EA744D9-3FBE-48D8-BF2A-85DF203E4D20}" type="datetimeFigureOut">
               <a:rPr lang="bg-BG" smtClean="0"/>
-              <a:t>10.04.17 г.</a:t>
+              <a:t>19.04.17 г.</a:t>
             </a:fld>
             <a:endParaRPr lang="bg-BG"/>
           </a:p>
@@ -2527,7 +2527,7 @@
           <a:p>
             <a:fld id="{3EA744D9-3FBE-48D8-BF2A-85DF203E4D20}" type="datetimeFigureOut">
               <a:rPr lang="bg-BG" smtClean="0"/>
-              <a:t>10.04.17 г.</a:t>
+              <a:t>19.04.17 г.</a:t>
             </a:fld>
             <a:endParaRPr lang="bg-BG"/>
           </a:p>
@@ -2749,7 +2749,7 @@
           <a:p>
             <a:fld id="{3EA744D9-3FBE-48D8-BF2A-85DF203E4D20}" type="datetimeFigureOut">
               <a:rPr lang="bg-BG" smtClean="0"/>
-              <a:t>10.04.17 г.</a:t>
+              <a:t>19.04.17 г.</a:t>
             </a:fld>
             <a:endParaRPr lang="bg-BG"/>
           </a:p>
@@ -3500,133 +3500,69 @@
                   <a:schemeClr val="bg1"/>
                 </a:solidFill>
               </a:rPr>
-              <a:t>A </a:t>
-            </a:r>
-            <a:r>
-              <a:rPr lang="en-US" sz="3100" dirty="0" smtClean="0">
+              <a:t>A subdomain </a:t>
+            </a:r>
+            <a:r>
+              <a:rPr lang="en-US" sz="3100" dirty="0" smtClean="0">
+                <a:solidFill>
+                  <a:schemeClr val="accent6"/>
+                </a:solidFill>
+              </a:rPr>
+              <a:t>is a domain that is a subtree of another domain, such as </a:t>
+            </a:r>
+            <a:r>
+              <a:rPr lang="en-US" sz="3100" dirty="0" err="1" smtClean="0">
                 <a:solidFill>
                   <a:schemeClr val="bg1"/>
                 </a:solidFill>
               </a:rPr>
-              <a:t>subdomain </a:t>
-            </a:r>
-            <a:r>
-              <a:rPr lang="en-US" sz="3100" dirty="0" smtClean="0">
-                <a:solidFill>
-                  <a:schemeClr val="accent6"/>
-                </a:solidFill>
-              </a:rPr>
-              <a:t>is a domain that is a subtree of another </a:t>
-            </a:r>
-            <a:r>
-              <a:rPr lang="en-US" sz="3100" dirty="0" smtClean="0">
-                <a:solidFill>
-                  <a:schemeClr val="accent6"/>
-                </a:solidFill>
-              </a:rPr>
-              <a:t>domain, such as </a:t>
-            </a:r>
-            <a:r>
-              <a:rPr lang="en-US" sz="3100" dirty="0" err="1" smtClean="0">
+              <a:t>lab.example.com</a:t>
+            </a:r>
+            <a:r>
+              <a:rPr lang="en-US" sz="3100" dirty="0" smtClean="0">
+                <a:solidFill>
+                  <a:schemeClr val="accent6"/>
+                </a:solidFill>
+              </a:rPr>
+              <a:t>. This term is used when discussing the relationship of two domains to each other.</a:t>
+            </a:r>
+            <a:br>
+              <a:rPr lang="en-US" sz="3100" dirty="0" smtClean="0">
+                <a:solidFill>
+                  <a:schemeClr val="accent6"/>
+                </a:solidFill>
+              </a:rPr>
+            </a:br>
+            <a:r>
+              <a:rPr lang="en-US" sz="3100" dirty="0" smtClean="0">
+                <a:solidFill>
+                  <a:schemeClr val="accent6"/>
+                </a:solidFill>
+              </a:rPr>
+              <a:t/>
+            </a:r>
+            <a:br>
+              <a:rPr lang="en-US" sz="3100" dirty="0" smtClean="0">
+                <a:solidFill>
+                  <a:schemeClr val="accent6"/>
+                </a:solidFill>
+              </a:rPr>
+            </a:br>
+            <a:r>
+              <a:rPr lang="en-US" sz="3100" dirty="0" smtClean="0">
                 <a:solidFill>
                   <a:schemeClr val="bg1"/>
                 </a:solidFill>
               </a:rPr>
-              <a:t>lab.example.com</a:t>
-            </a:r>
-            <a:r>
-              <a:rPr lang="en-US" sz="3100" dirty="0" smtClean="0">
-                <a:solidFill>
-                  <a:schemeClr val="accent6"/>
-                </a:solidFill>
-              </a:rPr>
-              <a:t>. </a:t>
-            </a:r>
-            <a:r>
-              <a:rPr lang="en-US" sz="3100" dirty="0" smtClean="0">
-                <a:solidFill>
-                  <a:schemeClr val="accent6"/>
-                </a:solidFill>
-              </a:rPr>
-              <a:t>This </a:t>
-            </a:r>
-            <a:r>
-              <a:rPr lang="en-US" sz="3100" dirty="0" smtClean="0">
-                <a:solidFill>
-                  <a:schemeClr val="accent6"/>
-                </a:solidFill>
-              </a:rPr>
-              <a:t>term is used when discussing the relationship of two domains to each other</a:t>
-            </a:r>
-            <a:r>
-              <a:rPr lang="en-US" sz="3100" dirty="0" smtClean="0">
-                <a:solidFill>
-                  <a:schemeClr val="accent6"/>
-                </a:solidFill>
-              </a:rPr>
-              <a:t>.</a:t>
-            </a:r>
-            <a:br>
-              <a:rPr lang="en-US" sz="3100" dirty="0" smtClean="0">
-                <a:solidFill>
-                  <a:schemeClr val="accent6"/>
-                </a:solidFill>
-              </a:rPr>
-            </a:br>
-            <a:r>
-              <a:rPr lang="en-US" sz="3100" dirty="0" smtClean="0">
-                <a:solidFill>
-                  <a:schemeClr val="accent6"/>
-                </a:solidFill>
-              </a:rPr>
-              <a:t/>
-            </a:r>
-            <a:br>
-              <a:rPr lang="en-US" sz="3100" dirty="0" smtClean="0">
-                <a:solidFill>
-                  <a:schemeClr val="accent6"/>
-                </a:solidFill>
-              </a:rPr>
-            </a:br>
-            <a:r>
-              <a:rPr lang="en-US" sz="3100" dirty="0" smtClean="0">
-                <a:solidFill>
-                  <a:schemeClr val="bg1"/>
-                </a:solidFill>
-              </a:rPr>
-              <a:t>A </a:t>
-            </a:r>
-            <a:r>
-              <a:rPr lang="en-US" sz="3100" dirty="0" smtClean="0">
-                <a:solidFill>
-                  <a:schemeClr val="bg1"/>
-                </a:solidFill>
-              </a:rPr>
-              <a:t>zone </a:t>
-            </a:r>
-            <a:r>
-              <a:rPr lang="en-US" sz="3100" dirty="0" smtClean="0">
-                <a:solidFill>
-                  <a:schemeClr val="accent6"/>
-                </a:solidFill>
-              </a:rPr>
-              <a:t>is the portion of the domain for which a particular </a:t>
-            </a:r>
-            <a:r>
-              <a:rPr lang="en-US" sz="3100" dirty="0" smtClean="0">
-                <a:solidFill>
-                  <a:schemeClr val="accent6"/>
-                </a:solidFill>
-              </a:rPr>
-              <a:t>name server </a:t>
-            </a:r>
-            <a:r>
-              <a:rPr lang="en-US" sz="3100" dirty="0" smtClean="0">
-                <a:solidFill>
-                  <a:schemeClr val="accent6"/>
-                </a:solidFill>
-              </a:rPr>
-              <a:t>is directly responsible or authoritative.</a:t>
+              <a:t>A zone </a:t>
+            </a:r>
+            <a:r>
+              <a:rPr lang="en-US" sz="3100" dirty="0" smtClean="0">
+                <a:solidFill>
+                  <a:schemeClr val="accent6"/>
+                </a:solidFill>
+              </a:rPr>
+              <a:t>is the portion of the domain for which a particular name server is directly responsible or authoritative.</a:t>
             </a:r>
             <a:r>
               <a:rPr lang="en-US" sz="3100" dirty="0">
@@ -3863,8 +3799,8 @@
         </p:blipFill>
         <p:spPr>
           <a:xfrm>
-            <a:off x="1714500" y="2438400"/>
-            <a:ext cx="5486400" cy="3818965"/>
+            <a:off x="1066800" y="2172218"/>
+            <a:ext cx="6477000" cy="4508500"/>
           </a:xfrm>
           <a:prstGeom prst="rect">
             <a:avLst/>
@@ -3880,7 +3816,7 @@
         <p:spPr>
           <a:xfrm>
             <a:off x="914400" y="963544"/>
-            <a:ext cx="6096000" cy="646331"/>
+            <a:ext cx="6096000" cy="830997"/>
           </a:xfrm>
           <a:prstGeom prst="rect">
             <a:avLst/>
@@ -3894,11 +3830,11 @@
           <a:lstStyle/>
           <a:p>
             <a:r>
-              <a:rPr lang="en-US" dirty="0" err="1" smtClean="0"/>
+              <a:rPr lang="en-US" sz="2400" dirty="0" err="1" smtClean="0"/>
               <a:t>E</a:t>
             </a:r>
             <a:r>
-              <a:rPr lang="en-US" dirty="0" err="1" smtClean="0">
+              <a:rPr lang="en-US" sz="2400" dirty="0" err="1" smtClean="0">
                 <a:solidFill>
                   <a:schemeClr val="accent6"/>
                 </a:solidFill>
@@ -3906,14 +3842,46 @@
               <a:t>Each</a:t>
             </a:r>
             <a:r>
-              <a:rPr lang="en-US" dirty="0" smtClean="0">
-                <a:solidFill>
-                  <a:schemeClr val="accent6"/>
-                </a:solidFill>
-              </a:rPr>
-              <a:t> level of the DNS hierarchy is delineated by the “.”, with “.” as the top level.  </a:t>
-            </a:r>
-            <a:endParaRPr lang="en-US" dirty="0"/>
+              <a:rPr lang="en-US" sz="2400" dirty="0" smtClean="0">
+                <a:solidFill>
+                  <a:schemeClr val="accent6"/>
+                </a:solidFill>
+              </a:rPr>
+              <a:t> level of the DNS hierarchy is delineated by the “</a:t>
+            </a:r>
+            <a:r>
+              <a:rPr lang="en-US" sz="2400" dirty="0" smtClean="0">
+                <a:solidFill>
+                  <a:schemeClr val="bg1"/>
+                </a:solidFill>
+              </a:rPr>
+              <a:t>.</a:t>
+            </a:r>
+            <a:r>
+              <a:rPr lang="en-US" sz="2400" dirty="0" smtClean="0">
+                <a:solidFill>
+                  <a:schemeClr val="accent6"/>
+                </a:solidFill>
+              </a:rPr>
+              <a:t>”, with “</a:t>
+            </a:r>
+            <a:r>
+              <a:rPr lang="en-US" sz="2400" dirty="0" smtClean="0">
+                <a:solidFill>
+                  <a:schemeClr val="bg1"/>
+                </a:solidFill>
+              </a:rPr>
+              <a:t>.</a:t>
+            </a:r>
+            <a:r>
+              <a:rPr lang="en-US" sz="2400" dirty="0" smtClean="0">
+                <a:solidFill>
+                  <a:schemeClr val="accent6"/>
+                </a:solidFill>
+              </a:rPr>
+              <a:t>” as the top level.  </a:t>
+            </a:r>
+            <a:endParaRPr lang="en-US" sz="2400" dirty="0"/>
           </a:p>
         </p:txBody>
       </p:sp>
@@ -4270,14 +4238,30 @@
             <a:r>
               <a:rPr lang="en-US" sz="2200" dirty="0" smtClean="0">
                 <a:solidFill>
+                  <a:schemeClr val="accent6"/>
+                </a:solidFill>
+              </a:rPr>
+              <a:t>1</a:t>
+            </a:r>
+            <a:r>
+              <a:rPr lang="en-US" sz="2200" dirty="0" smtClean="0">
+                <a:solidFill>
                   <a:schemeClr val="accent3"/>
                 </a:solidFill>
               </a:rPr>
-              <a:t>1. Local authoritative data </a:t>
+              <a:t>. </a:t>
             </a:r>
             <a:r>
               <a:rPr lang="en-US" sz="2200" dirty="0" smtClean="0">
                 <a:solidFill>
+                  <a:schemeClr val="bg1"/>
+                </a:solidFill>
+              </a:rPr>
+              <a:t>Local authoritative data </a:t>
+            </a:r>
+            <a:r>
+              <a:rPr lang="en-US" sz="2200" dirty="0" smtClean="0">
+                <a:solidFill>
                   <a:schemeClr val="accent6"/>
                 </a:solidFill>
               </a:rPr>
@@ -4308,100 +4292,116 @@
             <a:r>
               <a:rPr lang="en-US" sz="2200" dirty="0" smtClean="0">
                 <a:solidFill>
+                  <a:schemeClr val="accent6"/>
+                </a:solidFill>
+              </a:rPr>
+              <a:t>2. </a:t>
+            </a:r>
+            <a:r>
+              <a:rPr lang="en-US" sz="2200" dirty="0" smtClean="0">
+                <a:solidFill>
+                  <a:schemeClr val="bg1"/>
+                </a:solidFill>
+              </a:rPr>
+              <a:t>Local cached non-</a:t>
+            </a:r>
+            <a:r>
+              <a:rPr lang="en-US" sz="2200" dirty="0" err="1" smtClean="0">
+                <a:solidFill>
+                  <a:schemeClr val="bg1"/>
+                </a:solidFill>
+              </a:rPr>
+              <a:t>auhtoritative</a:t>
+            </a:r>
+            <a:r>
+              <a:rPr lang="en-US" sz="2200" dirty="0" smtClean="0">
+                <a:solidFill>
+                  <a:schemeClr val="bg1"/>
+                </a:solidFill>
+              </a:rPr>
+              <a:t> data </a:t>
+            </a:r>
+            <a:r>
+              <a:rPr lang="en-US" sz="2200" dirty="0" smtClean="0">
+                <a:solidFill>
+                  <a:schemeClr val="accent6"/>
+                </a:solidFill>
+              </a:rPr>
+              <a:t>=&gt; not responsible, but still might have a copy in its cache. </a:t>
+            </a:r>
+            <a:br>
+              <a:rPr lang="en-US" sz="2200" dirty="0" smtClean="0">
+                <a:solidFill>
+                  <a:schemeClr val="accent6"/>
+                </a:solidFill>
+              </a:rPr>
+            </a:br>
+            <a:r>
+              <a:rPr lang="en-US" sz="2200" dirty="0" smtClean="0">
+                <a:solidFill>
                   <a:schemeClr val="accent3"/>
                 </a:solidFill>
               </a:rPr>
-              <a:t>2. Local cached non-</a:t>
+              <a:t/>
+            </a:r>
+            <a:br>
+              <a:rPr lang="en-US" sz="2200" dirty="0" smtClean="0">
+                <a:solidFill>
+                  <a:schemeClr val="accent3"/>
+                </a:solidFill>
+              </a:rPr>
+            </a:br>
+            <a:r>
+              <a:rPr lang="en-US" sz="2200" dirty="0" smtClean="0">
+                <a:solidFill>
+                  <a:schemeClr val="accent6"/>
+                </a:solidFill>
+              </a:rPr>
+              <a:t>3. </a:t>
+            </a:r>
+            <a:r>
+              <a:rPr lang="en-US" sz="2200" dirty="0" smtClean="0">
+                <a:solidFill>
+                  <a:schemeClr val="bg1"/>
+                </a:solidFill>
+              </a:rPr>
+              <a:t>Remote non-authoritative data via recursion </a:t>
+            </a:r>
+            <a:r>
+              <a:rPr lang="en-US" sz="2200" dirty="0" smtClean="0">
+                <a:solidFill>
+                  <a:schemeClr val="accent6"/>
+                </a:solidFill>
+              </a:rPr>
+              <a:t>=&gt; not responsible, does not have the record in the cache, the DNS server will then perform another iterative query to the Top Level Domain(TLD) authoritative name server it was referred to. The DNS server with empty cache begins the recursion process by querying </a:t>
             </a:r>
             <a:r>
               <a:rPr lang="en-US" sz="2200" dirty="0" err="1" smtClean="0">
                 <a:solidFill>
-                  <a:schemeClr val="accent3"/>
-                </a:solidFill>
-              </a:rPr>
-              <a:t>auhtoritative</a:t>
+                  <a:schemeClr val="accent6"/>
+                </a:solidFill>
+              </a:rPr>
+              <a:t>onf</a:t>
             </a:r>
             <a:r>
               <a:rPr lang="en-US" sz="2200" dirty="0" smtClean="0">
                 <a:solidFill>
-                  <a:schemeClr val="accent3"/>
-                </a:solidFill>
-              </a:rPr>
-              <a:t> data </a:t>
+                  <a:schemeClr val="accent6"/>
+                </a:solidFill>
+              </a:rPr>
+              <a:t> of the root name servers IP address retrieved from its local, pre-populated </a:t>
             </a:r>
             <a:r>
               <a:rPr lang="en-US" sz="2200" dirty="0" smtClean="0">
                 <a:solidFill>
-                  <a:schemeClr val="accent6"/>
-                </a:solidFill>
-              </a:rPr>
-              <a:t>=&gt; not responsible, but still might have a copy in its cache. </a:t>
-            </a:r>
-            <a:br>
-              <a:rPr lang="en-US" sz="2200" dirty="0" smtClean="0">
-                <a:solidFill>
-                  <a:schemeClr val="accent6"/>
-                </a:solidFill>
-              </a:rPr>
-            </a:br>
-            <a:r>
-              <a:rPr lang="en-US" sz="2200" dirty="0" smtClean="0">
-                <a:solidFill>
-                  <a:schemeClr val="accent3"/>
-                </a:solidFill>
-              </a:rPr>
-              <a:t/>
-            </a:r>
-            <a:br>
-              <a:rPr lang="en-US" sz="2200" dirty="0" smtClean="0">
-                <a:solidFill>
-                  <a:schemeClr val="accent3"/>
-                </a:solidFill>
-              </a:rPr>
-            </a:br>
-            <a:r>
-              <a:rPr lang="en-US" sz="2200" dirty="0" smtClean="0">
-                <a:solidFill>
-                  <a:schemeClr val="accent3"/>
-                </a:solidFill>
-              </a:rPr>
-              <a:t>3. Remote non-authoritative data via recursion </a:t>
-            </a:r>
-            <a:r>
-              <a:rPr lang="en-US" sz="2200" dirty="0" smtClean="0">
-                <a:solidFill>
-                  <a:schemeClr val="accent6"/>
-                </a:solidFill>
-              </a:rPr>
-              <a:t>=&gt; not responsible, does not have the record in the cache, the DNS server will then perform another iterative query to the Top Level Domain(TLD) authoritative name server it was referred to. The DNS server with empty cache begins the recursion process by querying </a:t>
-            </a:r>
-            <a:r>
-              <a:rPr lang="en-US" sz="2200" dirty="0" err="1" smtClean="0">
-                <a:solidFill>
-                  <a:schemeClr val="accent6"/>
-                </a:solidFill>
-              </a:rPr>
-              <a:t>onf</a:t>
-            </a:r>
-            <a:r>
-              <a:rPr lang="en-US" sz="2200" dirty="0" smtClean="0">
-                <a:solidFill>
-                  <a:schemeClr val="accent6"/>
-                </a:solidFill>
-              </a:rPr>
-              <a:t> of the root name servers IP address retrieved from its local, pre-populated </a:t>
-            </a:r>
-            <a:r>
-              <a:rPr lang="en-US" sz="2200" dirty="0" smtClean="0">
-                <a:solidFill>
-                  <a:schemeClr val="accent3"/>
+                  <a:schemeClr val="bg1"/>
                 </a:solidFill>
               </a:rPr>
               <a:t>root hints file.</a:t>
             </a:r>
             <a:endParaRPr lang="en-US" sz="2200" dirty="0">
               <a:solidFill>
-                <a:schemeClr val="accent3"/>
+                <a:schemeClr val="bg1"/>
               </a:solidFill>
             </a:endParaRPr>
           </a:p>
@@ -4709,7 +4709,7 @@
             <a:r>
               <a:rPr lang="en-US" dirty="0" smtClean="0">
                 <a:solidFill>
-                  <a:schemeClr val="accent6"/>
+                  <a:schemeClr val="bg1"/>
                 </a:solidFill>
               </a:rPr>
               <a:t>DNS resource records</a:t>
@@ -4722,15 +4722,7 @@
                   <a:schemeClr val="accent6"/>
                 </a:solidFill>
               </a:rPr>
-              <a:t>DNS RR are entries in a DNS zone file that specify information about a particular name or object in the zone. A resource record contains a type, a TTL, a class and data </a:t>
-            </a:r>
-            <a:r>
-              <a:rPr lang="en-US" dirty="0" smtClean="0">
-                <a:solidFill>
-                  <a:schemeClr val="accent6"/>
-                </a:solidFill>
-              </a:rPr>
-              <a:t>elements</a:t>
+              <a:t>DNS RR are entries in a DNS zone file that specify information about a particular name or object in the zone. A resource record contains a type, a TTL, a class and data elements</a:t>
             </a:r>
           </a:p>
           <a:p>
@@ -4793,11 +4785,6 @@
               </a:rPr>
               <a:t>.</a:t>
             </a:r>
-            <a:endParaRPr lang="en-US" dirty="0" smtClean="0">
-              <a:solidFill>
-                <a:schemeClr val="accent6"/>
-              </a:solidFill>
-            </a:endParaRPr>
           </a:p>
         </p:txBody>
       </p:sp>
